--- a/docs/ContainersEverywhereInAzure.pptx
+++ b/docs/ContainersEverywhereInAzure.pptx
@@ -191,6 +191,12 @@
 </p:presentation>
 </file>
 
+<file path=ppt/authors.xml><?xml version="1.0" encoding="utf-8"?>
+<p188:authorLst xmlns:a="http://schemas.openxmlformats.org/drawingml/2006/main" xmlns:r="http://schemas.openxmlformats.org/officeDocument/2006/relationships" xmlns:p188="http://schemas.microsoft.com/office/powerpoint/2018/8/main">
+  <p188:author id="{3E502D7C-4E8E-F1E7-75F1-46C6D80BB9F1}" name="Matt Ruma" initials="MR" userId="S::maruma@microsoft.com::f15476d4-9dca-4a49-89ca-8b3ed6ad9f58" providerId="AD"/>
+</p188:authorLst>
+</file>
+
 <file path=ppt/commentAuthors.xml><?xml version="1.0" encoding="utf-8"?>
 <p:cmAuthorLst xmlns:a="http://schemas.openxmlformats.org/drawingml/2006/main" xmlns:r="http://schemas.openxmlformats.org/officeDocument/2006/relationships" xmlns:p="http://schemas.openxmlformats.org/presentationml/2006/main">
   <p:cmAuthor id="0" name="Saku Uchikawa" initials="SU" lastIdx="11" clrIdx="0"/>
@@ -217,6 +223,43 @@
     </p:extLst>
   </p:cmAuthor>
 </p:cmAuthorLst>
+</file>
+
+<file path=ppt/comments/modernComment_67C_EBE60CF7.xml><?xml version="1.0" encoding="utf-8"?>
+<p188:cmLst xmlns:a="http://schemas.openxmlformats.org/drawingml/2006/main" xmlns:r="http://schemas.openxmlformats.org/officeDocument/2006/relationships" xmlns:p188="http://schemas.microsoft.com/office/powerpoint/2018/8/main">
+  <p188:cm id="{49CB99B6-1324-4E2B-802B-E4EC3C525789}" authorId="{3E502D7C-4E8E-F1E7-75F1-46C6D80BB9F1}" created="2022-02-09T14:16:30.952">
+    <pc:sldMkLst xmlns:pc="http://schemas.microsoft.com/office/powerpoint/2013/main/command">
+      <pc:docMk/>
+      <pc:sldMk cId="3957722359" sldId="1660"/>
+    </pc:sldMkLst>
+    <p188:txBody>
+      <a:bodyPr/>
+      <a:lstStyle/>
+      <a:p>
+        <a:r>
+          <a:rPr lang="en-US"/>
+          <a:t>Let's include screenshots of the GitHub and Azure portal, just in case we have technical challenges ... can still share files from VS Code.</a:t>
+        </a:r>
+      </a:p>
+    </p188:txBody>
+  </p188:cm>
+  <p188:cm id="{7C584AC5-E43E-4D06-9E12-F94BA8180CB5}" authorId="{3E502D7C-4E8E-F1E7-75F1-46C6D80BB9F1}" created="2022-02-09T14:17:15.244">
+    <pc:sldMkLst xmlns:pc="http://schemas.microsoft.com/office/powerpoint/2013/main/command">
+      <pc:docMk/>
+      <pc:sldMk cId="3957722359" sldId="1660"/>
+    </pc:sldMkLst>
+    <p188:txBody>
+      <a:bodyPr/>
+      <a:lstStyle/>
+      <a:p>
+        <a:r>
+          <a:rPr lang="en-US"/>
+          <a:t>Budget time for each slide, would like to keep it near 40 minutes, allow for wiggle room ... and some Q&amp;A.</a:t>
+        </a:r>
+      </a:p>
+    </p188:txBody>
+  </p188:cm>
+</p188:cmLst>
 </file>
 
 <file path=ppt/diagrams/colors1.xml><?xml version="1.0" encoding="utf-8"?>
@@ -20963,7 +21006,12 @@
             <p:ph type="body" sz="quarter" idx="12"/>
           </p:nvPr>
         </p:nvSpPr>
-        <p:spPr/>
+        <p:spPr>
+          <a:xfrm>
+            <a:off x="582042" y="3962400"/>
+            <a:ext cx="4164583" cy="338554"/>
+          </a:xfrm>
+        </p:spPr>
         <p:txBody>
           <a:bodyPr/>
           <a:lstStyle/>
@@ -24062,7 +24110,7 @@
           <p:nvPr/>
         </p:nvPicPr>
         <p:blipFill>
-          <a:blip r:embed="rId3"/>
+          <a:blip r:embed="rId4"/>
           <a:stretch>
             <a:fillRect/>
           </a:stretch>
@@ -24100,6 +24148,11 @@
       </p:transition>
     </mc:Fallback>
   </mc:AlternateContent>
+  <p:extLst>
+    <p:ext uri="{6950BFC3-D8DA-4A85-94F7-54DA5524770B}">
+      <p188:commentRel xmlns:p188="http://schemas.microsoft.com/office/powerpoint/2018/8/main" r:id="rId3"/>
+    </p:ext>
+  </p:extLst>
 </p:sld>
 </file>
 

--- a/docs/ContainersEverywhereInAzure.pptx
+++ b/docs/ContainersEverywhereInAzure.pptx
@@ -255,6 +255,22 @@
         <a:r>
           <a:rPr lang="en-US"/>
           <a:t>Budget time for each slide, would like to keep it near 40 minutes, allow for wiggle room ... and some Q&amp;A.</a:t>
+        </a:r>
+      </a:p>
+    </p188:txBody>
+  </p188:cm>
+  <p188:cm id="{246A4FD8-BCC5-4916-AE73-137AE291C29C}" authorId="{3E502D7C-4E8E-F1E7-75F1-46C6D80BB9F1}" created="2022-02-09T14:17:49.126">
+    <pc:sldMkLst xmlns:pc="http://schemas.microsoft.com/office/powerpoint/2013/main/command">
+      <pc:docMk/>
+      <pc:sldMk cId="3957722359" sldId="1660"/>
+    </pc:sldMkLst>
+    <p188:txBody>
+      <a:bodyPr/>
+      <a:lstStyle/>
+      <a:p>
+        <a:r>
+          <a:rPr lang="en-US"/>
+          <a:t>Let's tell a story.</a:t>
         </a:r>
       </a:p>
     </p188:txBody>
@@ -11762,6 +11778,513 @@
         </p:nvSpPr>
         <p:spPr/>
         <p:txBody>
+          <a:bodyPr/>
+          <a:lstStyle/>
+          <a:p>
+            <a:endParaRPr lang="en-US" dirty="0"/>
+          </a:p>
+        </p:txBody>
+      </p:sp>
+      <p:sp>
+        <p:nvSpPr>
+          <p:cNvPr id="4" name="Header Placeholder 3"/>
+          <p:cNvSpPr>
+            <a:spLocks noGrp="1"/>
+          </p:cNvSpPr>
+          <p:nvPr>
+            <p:ph type="hdr" sz="quarter"/>
+          </p:nvPr>
+        </p:nvSpPr>
+        <p:spPr/>
+        <p:txBody>
+          <a:bodyPr/>
+          <a:lstStyle/>
+          <a:p>
+            <a:endParaRPr lang="en-US"/>
+          </a:p>
+        </p:txBody>
+      </p:sp>
+      <p:sp>
+        <p:nvSpPr>
+          <p:cNvPr id="5" name="Footer Placeholder 4"/>
+          <p:cNvSpPr>
+            <a:spLocks noGrp="1"/>
+          </p:cNvSpPr>
+          <p:nvPr>
+            <p:ph type="ftr" sz="quarter" idx="4"/>
+          </p:nvPr>
+        </p:nvSpPr>
+        <p:spPr/>
+        <p:txBody>
+          <a:bodyPr/>
+          <a:lstStyle/>
+          <a:p>
+            <a:pPr defTabSz="914099" eaLnBrk="0" hangingPunct="0"/>
+            <a:r>
+              <a:rPr lang="en-US" sz="400">
+                <a:gradFill>
+                  <a:gsLst>
+                    <a:gs pos="0">
+                      <a:prstClr val="black"/>
+                    </a:gs>
+                    <a:gs pos="100000">
+                      <a:prstClr val="black"/>
+                    </a:gs>
+                  </a:gsLst>
+                  <a:lin ang="5400000" scaled="0"/>
+                </a:gradFill>
+                <a:latin typeface="Segoe UI" pitchFamily="34" charset="0"/>
+                <a:ea typeface="Segoe UI" pitchFamily="34" charset="0"/>
+                <a:cs typeface="Segoe UI" pitchFamily="34" charset="0"/>
+              </a:rPr>
+              <a:t>© Microsoft Corporation. All rights reserved. MICROSOFT MAKES NO WARRANTIES, EXPRESS, IMPLIED OR STATUTORY, AS TO THE INFORMATION IN THIS PRESENTATION.</a:t>
+            </a:r>
+          </a:p>
+        </p:txBody>
+      </p:sp>
+      <p:sp>
+        <p:nvSpPr>
+          <p:cNvPr id="6" name="Date Placeholder 5"/>
+          <p:cNvSpPr>
+            <a:spLocks noGrp="1"/>
+          </p:cNvSpPr>
+          <p:nvPr>
+            <p:ph type="dt" idx="1"/>
+          </p:nvPr>
+        </p:nvSpPr>
+        <p:spPr/>
+        <p:txBody>
+          <a:bodyPr/>
+          <a:lstStyle/>
+          <a:p>
+            <a:fld id="{386CE63F-9E7F-4C04-9D0D-FCA25A8E9E86}" type="datetime8">
+              <a:rPr lang="en-US" smtClean="0"/>
+              <a:t>2/9/2022 9:45 AM</a:t>
+            </a:fld>
+            <a:endParaRPr lang="en-US"/>
+          </a:p>
+        </p:txBody>
+      </p:sp>
+      <p:sp>
+        <p:nvSpPr>
+          <p:cNvPr id="7" name="Slide Number Placeholder 6"/>
+          <p:cNvSpPr>
+            <a:spLocks noGrp="1"/>
+          </p:cNvSpPr>
+          <p:nvPr>
+            <p:ph type="sldNum" sz="quarter" idx="5"/>
+          </p:nvPr>
+        </p:nvSpPr>
+        <p:spPr/>
+        <p:txBody>
+          <a:bodyPr/>
+          <a:lstStyle/>
+          <a:p>
+            <a:fld id="{B4008EB6-D09E-4580-8CD6-DDB14511944F}" type="slidenum">
+              <a:rPr lang="en-US" smtClean="0"/>
+              <a:pPr/>
+              <a:t>9</a:t>
+            </a:fld>
+            <a:endParaRPr lang="en-US"/>
+          </a:p>
+        </p:txBody>
+      </p:sp>
+    </p:spTree>
+    <p:extLst>
+      <p:ext uri="{BB962C8B-B14F-4D97-AF65-F5344CB8AC3E}">
+        <p14:creationId xmlns:p14="http://schemas.microsoft.com/office/powerpoint/2010/main" val="4242760487"/>
+      </p:ext>
+    </p:extLst>
+  </p:cSld>
+  <p:clrMapOvr>
+    <a:masterClrMapping/>
+  </p:clrMapOvr>
+</p:notes>
+</file>
+
+<file path=ppt/notesSlides/notesSlide7.xml><?xml version="1.0" encoding="utf-8"?>
+<p:notes xmlns:a="http://schemas.openxmlformats.org/drawingml/2006/main" xmlns:r="http://schemas.openxmlformats.org/officeDocument/2006/relationships" xmlns:p="http://schemas.openxmlformats.org/presentationml/2006/main">
+  <p:cSld>
+    <p:spTree>
+      <p:nvGrpSpPr>
+        <p:cNvPr id="1" name=""/>
+        <p:cNvGrpSpPr/>
+        <p:nvPr/>
+      </p:nvGrpSpPr>
+      <p:grpSpPr>
+        <a:xfrm>
+          <a:off x="0" y="0"/>
+          <a:ext cx="0" cy="0"/>
+          <a:chOff x="0" y="0"/>
+          <a:chExt cx="0" cy="0"/>
+        </a:xfrm>
+      </p:grpSpPr>
+      <p:sp>
+        <p:nvSpPr>
+          <p:cNvPr id="2" name="Slide Image Placeholder 1"/>
+          <p:cNvSpPr>
+            <a:spLocks noGrp="1" noRot="1" noChangeAspect="1"/>
+          </p:cNvSpPr>
+          <p:nvPr>
+            <p:ph type="sldImg"/>
+          </p:nvPr>
+        </p:nvSpPr>
+        <p:spPr/>
+      </p:sp>
+      <p:sp>
+        <p:nvSpPr>
+          <p:cNvPr id="3" name="Notes Placeholder 2"/>
+          <p:cNvSpPr>
+            <a:spLocks noGrp="1"/>
+          </p:cNvSpPr>
+          <p:nvPr>
+            <p:ph type="body" idx="1"/>
+          </p:nvPr>
+        </p:nvSpPr>
+        <p:spPr/>
+        <p:txBody>
+          <a:bodyPr/>
+          <a:lstStyle/>
+          <a:p>
+            <a:endParaRPr lang="en-US" dirty="0"/>
+          </a:p>
+        </p:txBody>
+      </p:sp>
+      <p:sp>
+        <p:nvSpPr>
+          <p:cNvPr id="4" name="Header Placeholder 3"/>
+          <p:cNvSpPr>
+            <a:spLocks noGrp="1"/>
+          </p:cNvSpPr>
+          <p:nvPr>
+            <p:ph type="hdr" sz="quarter"/>
+          </p:nvPr>
+        </p:nvSpPr>
+        <p:spPr/>
+        <p:txBody>
+          <a:bodyPr/>
+          <a:lstStyle/>
+          <a:p>
+            <a:endParaRPr lang="en-US"/>
+          </a:p>
+        </p:txBody>
+      </p:sp>
+      <p:sp>
+        <p:nvSpPr>
+          <p:cNvPr id="5" name="Footer Placeholder 4"/>
+          <p:cNvSpPr>
+            <a:spLocks noGrp="1"/>
+          </p:cNvSpPr>
+          <p:nvPr>
+            <p:ph type="ftr" sz="quarter" idx="4"/>
+          </p:nvPr>
+        </p:nvSpPr>
+        <p:spPr/>
+        <p:txBody>
+          <a:bodyPr/>
+          <a:lstStyle/>
+          <a:p>
+            <a:pPr defTabSz="914099" eaLnBrk="0" hangingPunct="0"/>
+            <a:r>
+              <a:rPr lang="en-US" sz="400">
+                <a:gradFill>
+                  <a:gsLst>
+                    <a:gs pos="0">
+                      <a:prstClr val="black"/>
+                    </a:gs>
+                    <a:gs pos="100000">
+                      <a:prstClr val="black"/>
+                    </a:gs>
+                  </a:gsLst>
+                  <a:lin ang="5400000" scaled="0"/>
+                </a:gradFill>
+                <a:latin typeface="Segoe UI" pitchFamily="34" charset="0"/>
+                <a:ea typeface="Segoe UI" pitchFamily="34" charset="0"/>
+                <a:cs typeface="Segoe UI" pitchFamily="34" charset="0"/>
+              </a:rPr>
+              <a:t>© Microsoft Corporation. All rights reserved. MICROSOFT MAKES NO WARRANTIES, EXPRESS, IMPLIED OR STATUTORY, AS TO THE INFORMATION IN THIS PRESENTATION.</a:t>
+            </a:r>
+          </a:p>
+        </p:txBody>
+      </p:sp>
+      <p:sp>
+        <p:nvSpPr>
+          <p:cNvPr id="6" name="Date Placeholder 5"/>
+          <p:cNvSpPr>
+            <a:spLocks noGrp="1"/>
+          </p:cNvSpPr>
+          <p:nvPr>
+            <p:ph type="dt" idx="1"/>
+          </p:nvPr>
+        </p:nvSpPr>
+        <p:spPr/>
+        <p:txBody>
+          <a:bodyPr/>
+          <a:lstStyle/>
+          <a:p>
+            <a:fld id="{386CE63F-9E7F-4C04-9D0D-FCA25A8E9E86}" type="datetime8">
+              <a:rPr lang="en-US" smtClean="0"/>
+              <a:t>2/9/2022 9:53 AM</a:t>
+            </a:fld>
+            <a:endParaRPr lang="en-US"/>
+          </a:p>
+        </p:txBody>
+      </p:sp>
+      <p:sp>
+        <p:nvSpPr>
+          <p:cNvPr id="7" name="Slide Number Placeholder 6"/>
+          <p:cNvSpPr>
+            <a:spLocks noGrp="1"/>
+          </p:cNvSpPr>
+          <p:nvPr>
+            <p:ph type="sldNum" sz="quarter" idx="5"/>
+          </p:nvPr>
+        </p:nvSpPr>
+        <p:spPr/>
+        <p:txBody>
+          <a:bodyPr/>
+          <a:lstStyle/>
+          <a:p>
+            <a:fld id="{B4008EB6-D09E-4580-8CD6-DDB14511944F}" type="slidenum">
+              <a:rPr lang="en-US" smtClean="0"/>
+              <a:pPr/>
+              <a:t>12</a:t>
+            </a:fld>
+            <a:endParaRPr lang="en-US"/>
+          </a:p>
+        </p:txBody>
+      </p:sp>
+    </p:spTree>
+    <p:extLst>
+      <p:ext uri="{BB962C8B-B14F-4D97-AF65-F5344CB8AC3E}">
+        <p14:creationId xmlns:p14="http://schemas.microsoft.com/office/powerpoint/2010/main" val="565833560"/>
+      </p:ext>
+    </p:extLst>
+  </p:cSld>
+  <p:clrMapOvr>
+    <a:masterClrMapping/>
+  </p:clrMapOvr>
+</p:notes>
+</file>
+
+<file path=ppt/notesSlides/notesSlide8.xml><?xml version="1.0" encoding="utf-8"?>
+<p:notes xmlns:a="http://schemas.openxmlformats.org/drawingml/2006/main" xmlns:r="http://schemas.openxmlformats.org/officeDocument/2006/relationships" xmlns:p="http://schemas.openxmlformats.org/presentationml/2006/main">
+  <p:cSld>
+    <p:spTree>
+      <p:nvGrpSpPr>
+        <p:cNvPr id="1" name=""/>
+        <p:cNvGrpSpPr/>
+        <p:nvPr/>
+      </p:nvGrpSpPr>
+      <p:grpSpPr>
+        <a:xfrm>
+          <a:off x="0" y="0"/>
+          <a:ext cx="0" cy="0"/>
+          <a:chOff x="0" y="0"/>
+          <a:chExt cx="0" cy="0"/>
+        </a:xfrm>
+      </p:grpSpPr>
+      <p:sp>
+        <p:nvSpPr>
+          <p:cNvPr id="2" name="Slide Image Placeholder 1"/>
+          <p:cNvSpPr>
+            <a:spLocks noGrp="1" noRot="1" noChangeAspect="1"/>
+          </p:cNvSpPr>
+          <p:nvPr>
+            <p:ph type="sldImg"/>
+          </p:nvPr>
+        </p:nvSpPr>
+        <p:spPr/>
+      </p:sp>
+      <p:sp>
+        <p:nvSpPr>
+          <p:cNvPr id="3" name="Notes Placeholder 2"/>
+          <p:cNvSpPr>
+            <a:spLocks noGrp="1"/>
+          </p:cNvSpPr>
+          <p:nvPr>
+            <p:ph type="body" idx="1"/>
+          </p:nvPr>
+        </p:nvSpPr>
+        <p:spPr/>
+        <p:txBody>
+          <a:bodyPr/>
+          <a:lstStyle/>
+          <a:p>
+            <a:r>
+              <a:rPr lang="en-US" dirty="0"/>
+              <a:t>https://docs.microsoft.com/en-us/dotnet/architecture/modernize-with-azure-containers/modernize-existing-apps-to-cloud-optimized/choosing-azure-compute-options-for-container-based-applications</a:t>
+            </a:r>
+          </a:p>
+          <a:p>
+            <a:r>
+              <a:rPr lang="en-US" dirty="0"/>
+              <a:t>https://techcommunity.microsoft.com/t5/azure-architecture-blog/running-containers-on-azure-all-options-explained/ba-p/1795938</a:t>
+            </a:r>
+          </a:p>
+          <a:p>
+            <a:endParaRPr lang="en-US" dirty="0"/>
+          </a:p>
+        </p:txBody>
+      </p:sp>
+      <p:sp>
+        <p:nvSpPr>
+          <p:cNvPr id="4" name="Header Placeholder 3"/>
+          <p:cNvSpPr>
+            <a:spLocks noGrp="1"/>
+          </p:cNvSpPr>
+          <p:nvPr>
+            <p:ph type="hdr" sz="quarter"/>
+          </p:nvPr>
+        </p:nvSpPr>
+        <p:spPr/>
+        <p:txBody>
+          <a:bodyPr/>
+          <a:lstStyle/>
+          <a:p>
+            <a:endParaRPr lang="en-US"/>
+          </a:p>
+        </p:txBody>
+      </p:sp>
+      <p:sp>
+        <p:nvSpPr>
+          <p:cNvPr id="5" name="Footer Placeholder 4"/>
+          <p:cNvSpPr>
+            <a:spLocks noGrp="1"/>
+          </p:cNvSpPr>
+          <p:nvPr>
+            <p:ph type="ftr" sz="quarter" idx="4"/>
+          </p:nvPr>
+        </p:nvSpPr>
+        <p:spPr/>
+        <p:txBody>
+          <a:bodyPr/>
+          <a:lstStyle/>
+          <a:p>
+            <a:pPr defTabSz="914099" eaLnBrk="0" hangingPunct="0"/>
+            <a:r>
+              <a:rPr lang="en-US" sz="400">
+                <a:gradFill>
+                  <a:gsLst>
+                    <a:gs pos="0">
+                      <a:prstClr val="black"/>
+                    </a:gs>
+                    <a:gs pos="100000">
+                      <a:prstClr val="black"/>
+                    </a:gs>
+                  </a:gsLst>
+                  <a:lin ang="5400000" scaled="0"/>
+                </a:gradFill>
+                <a:latin typeface="Segoe UI" pitchFamily="34" charset="0"/>
+                <a:ea typeface="Segoe UI" pitchFamily="34" charset="0"/>
+                <a:cs typeface="Segoe UI" pitchFamily="34" charset="0"/>
+              </a:rPr>
+              <a:t>© Microsoft Corporation. All rights reserved. MICROSOFT MAKES NO WARRANTIES, EXPRESS, IMPLIED OR STATUTORY, AS TO THE INFORMATION IN THIS PRESENTATION.</a:t>
+            </a:r>
+          </a:p>
+        </p:txBody>
+      </p:sp>
+      <p:sp>
+        <p:nvSpPr>
+          <p:cNvPr id="6" name="Date Placeholder 5"/>
+          <p:cNvSpPr>
+            <a:spLocks noGrp="1"/>
+          </p:cNvSpPr>
+          <p:nvPr>
+            <p:ph type="dt" idx="1"/>
+          </p:nvPr>
+        </p:nvSpPr>
+        <p:spPr/>
+        <p:txBody>
+          <a:bodyPr/>
+          <a:lstStyle/>
+          <a:p>
+            <a:fld id="{386CE63F-9E7F-4C04-9D0D-FCA25A8E9E86}" type="datetime8">
+              <a:rPr lang="en-US" smtClean="0"/>
+              <a:t>2/9/2022 9:45 AM</a:t>
+            </a:fld>
+            <a:endParaRPr lang="en-US"/>
+          </a:p>
+        </p:txBody>
+      </p:sp>
+      <p:sp>
+        <p:nvSpPr>
+          <p:cNvPr id="7" name="Slide Number Placeholder 6"/>
+          <p:cNvSpPr>
+            <a:spLocks noGrp="1"/>
+          </p:cNvSpPr>
+          <p:nvPr>
+            <p:ph type="sldNum" sz="quarter" idx="5"/>
+          </p:nvPr>
+        </p:nvSpPr>
+        <p:spPr/>
+        <p:txBody>
+          <a:bodyPr/>
+          <a:lstStyle/>
+          <a:p>
+            <a:fld id="{B4008EB6-D09E-4580-8CD6-DDB14511944F}" type="slidenum">
+              <a:rPr lang="en-US" smtClean="0"/>
+              <a:pPr/>
+              <a:t>15</a:t>
+            </a:fld>
+            <a:endParaRPr lang="en-US"/>
+          </a:p>
+        </p:txBody>
+      </p:sp>
+    </p:spTree>
+    <p:extLst>
+      <p:ext uri="{BB962C8B-B14F-4D97-AF65-F5344CB8AC3E}">
+        <p14:creationId xmlns:p14="http://schemas.microsoft.com/office/powerpoint/2010/main" val="3413834205"/>
+      </p:ext>
+    </p:extLst>
+  </p:cSld>
+  <p:clrMapOvr>
+    <a:masterClrMapping/>
+  </p:clrMapOvr>
+</p:notes>
+</file>
+
+<file path=ppt/notesSlides/notesSlide9.xml><?xml version="1.0" encoding="utf-8"?>
+<p:notes xmlns:a="http://schemas.openxmlformats.org/drawingml/2006/main" xmlns:r="http://schemas.openxmlformats.org/officeDocument/2006/relationships" xmlns:p="http://schemas.openxmlformats.org/presentationml/2006/main">
+  <p:cSld>
+    <p:spTree>
+      <p:nvGrpSpPr>
+        <p:cNvPr id="1" name=""/>
+        <p:cNvGrpSpPr/>
+        <p:nvPr/>
+      </p:nvGrpSpPr>
+      <p:grpSpPr>
+        <a:xfrm>
+          <a:off x="0" y="0"/>
+          <a:ext cx="0" cy="0"/>
+          <a:chOff x="0" y="0"/>
+          <a:chExt cx="0" cy="0"/>
+        </a:xfrm>
+      </p:grpSpPr>
+      <p:sp>
+        <p:nvSpPr>
+          <p:cNvPr id="2" name="Slide Image Placeholder 1"/>
+          <p:cNvSpPr>
+            <a:spLocks noGrp="1" noRot="1" noChangeAspect="1"/>
+          </p:cNvSpPr>
+          <p:nvPr>
+            <p:ph type="sldImg"/>
+          </p:nvPr>
+        </p:nvSpPr>
+        <p:spPr/>
+      </p:sp>
+      <p:sp>
+        <p:nvSpPr>
+          <p:cNvPr id="3" name="Notes Placeholder 2"/>
+          <p:cNvSpPr>
+            <a:spLocks noGrp="1"/>
+          </p:cNvSpPr>
+          <p:nvPr>
+            <p:ph type="body" idx="1"/>
+          </p:nvPr>
+        </p:nvSpPr>
+        <p:spPr/>
+        <p:txBody>
           <a:bodyPr>
             <a:normAutofit/>
           </a:bodyPr>
@@ -21389,6 +21912,17 @@
             </a:r>
           </a:p>
           <a:p>
+            <a:pPr lvl="1"/>
+            <a:r>
+              <a:rPr lang="en-US" dirty="0"/>
+              <a:t>No https out of the box, see </a:t>
+            </a:r>
+            <a:r>
+              <a:rPr lang="en-US" dirty="0">
+                <a:hlinkClick r:id="rId3"/>
+              </a:rPr>
+              <a:t>Enable a TLS endpoint in a sidecar container</a:t>
+            </a:r>
             <a:endParaRPr lang="en-US" dirty="0"/>
           </a:p>
           <a:p>
@@ -21710,6 +22244,12 @@
               <a:t>Hosting option may change, if apps containerized properly, little to no changes to move to a different hosting option</a:t>
             </a:r>
           </a:p>
+          <a:p>
+            <a:r>
+              <a:rPr lang="en-US" dirty="0"/>
+              <a:t>Which options support DAPR?</a:t>
+            </a:r>
+          </a:p>
         </p:txBody>
       </p:sp>
     </p:spTree>
@@ -21780,7 +22320,7 @@
         <p:spPr>
           <a:xfrm>
             <a:off x="584200" y="1435100"/>
-            <a:ext cx="11018838" cy="3237809"/>
+            <a:ext cx="11018838" cy="3890296"/>
           </a:xfrm>
         </p:spPr>
         <p:txBody>
@@ -21793,20 +22333,10 @@
               <a:rPr lang="en-US" dirty="0">
                 <a:cs typeface="Segoe UI"/>
               </a:rPr>
-              <a:t>At the end of this session, you should be better able to…</a:t>
-            </a:r>
-          </a:p>
-          <a:p>
-            <a:pPr lvl="1"/>
-            <a:r>
-              <a:rPr lang="en-US" dirty="0">
-                <a:cs typeface="Segoe UI"/>
-              </a:rPr>
               <a:t>How to containerize .NET Core apps</a:t>
             </a:r>
           </a:p>
           <a:p>
-            <a:pPr lvl="1"/>
             <a:r>
               <a:rPr lang="en-US" dirty="0">
                 <a:cs typeface="Segoe UI"/>
@@ -21815,7 +22345,7 @@
             </a:r>
           </a:p>
           <a:p>
-            <a:pPr lvl="2"/>
+            <a:pPr lvl="1"/>
             <a:r>
               <a:rPr lang="en-US" dirty="0">
                 <a:cs typeface="Segoe UI"/>
@@ -21824,7 +22354,7 @@
             </a:r>
           </a:p>
           <a:p>
-            <a:pPr lvl="2"/>
+            <a:pPr lvl="1"/>
             <a:r>
               <a:rPr lang="en-US" dirty="0">
                 <a:cs typeface="Segoe UI"/>
@@ -21833,7 +22363,7 @@
             </a:r>
           </a:p>
           <a:p>
-            <a:pPr lvl="2"/>
+            <a:pPr lvl="1"/>
             <a:r>
               <a:rPr lang="en-US" dirty="0">
                 <a:cs typeface="Segoe UI"/>
@@ -21842,7 +22372,7 @@
             </a:r>
           </a:p>
           <a:p>
-            <a:pPr lvl="2"/>
+            <a:pPr lvl="1"/>
             <a:r>
               <a:rPr lang="en-US" dirty="0">
                 <a:cs typeface="Segoe UI"/>
@@ -21851,7 +22381,6 @@
             </a:r>
           </a:p>
           <a:p>
-            <a:pPr lvl="1"/>
             <a:r>
               <a:rPr lang="en-US" dirty="0">
                 <a:cs typeface="Segoe UI"/>
@@ -24219,7 +24748,9 @@
         </p:nvSpPr>
         <p:spPr/>
         <p:txBody>
-          <a:bodyPr/>
+          <a:bodyPr>
+            <a:normAutofit lnSpcReduction="10000"/>
+          </a:bodyPr>
           <a:lstStyle/>
           <a:p>
             <a:r>
@@ -24272,6 +24803,27 @@
             <a:r>
               <a:rPr lang="en-US" dirty="0"/>
               <a:t>Azure Container Apps (ACA)</a:t>
+            </a:r>
+          </a:p>
+          <a:p>
+            <a:pPr lvl="1"/>
+            <a:r>
+              <a:rPr lang="en-US" strike="sngStrike" dirty="0"/>
+              <a:t>Azure Virtual Machines </a:t>
+            </a:r>
+          </a:p>
+          <a:p>
+            <a:pPr lvl="1"/>
+            <a:r>
+              <a:rPr lang="en-US" strike="sngStrike" dirty="0"/>
+              <a:t>Azure Batch</a:t>
+            </a:r>
+          </a:p>
+          <a:p>
+            <a:pPr lvl="1"/>
+            <a:r>
+              <a:rPr lang="en-US" strike="sngStrike" dirty="0"/>
+              <a:t>Azure Service Fabric</a:t>
             </a:r>
           </a:p>
           <a:p>
@@ -24378,7 +24930,21 @@
           <a:p>
             <a:r>
               <a:rPr lang="en-US" dirty="0"/>
-              <a:t>App settings for storing API endpoint</a:t>
+              <a:t>App settings </a:t>
+            </a:r>
+          </a:p>
+          <a:p>
+            <a:pPr lvl="1"/>
+            <a:r>
+              <a:rPr lang="en-US" dirty="0"/>
+              <a:t>API endpoint</a:t>
+            </a:r>
+          </a:p>
+          <a:p>
+            <a:pPr lvl="1"/>
+            <a:r>
+              <a:rPr lang="en-US" dirty="0"/>
+              <a:t>Application Insights</a:t>
             </a:r>
           </a:p>
           <a:p>

--- a/docs/ContainersEverywhereInAzure.pptx
+++ b/docs/ContainersEverywhereInAzure.pptx
@@ -21923,7 +21923,20 @@
               </a:rPr>
               <a:t>Enable a TLS endpoint in a sidecar container</a:t>
             </a:r>
-            <a:endParaRPr lang="en-US" dirty="0"/>
+            <a:r>
+              <a:rPr lang="en-US" dirty="0"/>
+              <a:t> or </a:t>
+            </a:r>
+            <a:r>
+              <a:rPr lang="en-US" dirty="0">
+                <a:hlinkClick r:id="rId4"/>
+              </a:rPr>
+              <a:t>Enable HTTPS using Application Gateway</a:t>
+            </a:r>
+            <a:r>
+              <a:rPr lang="en-US" dirty="0"/>
+              <a:t> </a:t>
+            </a:r>
           </a:p>
           <a:p>
             <a:endParaRPr lang="en-US" dirty="0"/>
